--- a/House Pricing Analysis ppt.pptx
+++ b/House Pricing Analysis ppt.pptx
@@ -14,6 +14,7 @@
     <p:sldId id="261" r:id="rId8"/>
     <p:sldId id="262" r:id="rId9"/>
     <p:sldId id="263" r:id="rId10"/>
+    <p:sldId id="265" r:id="rId11"/>
   </p:sldIdLst>
   <p:sldSz cx="12192000" cy="6858000"/>
   <p:notesSz cx="6858000" cy="9144000"/>
@@ -112,6 +113,11 @@
       </a:defRPr>
     </a:lvl9pPr>
   </p:defaultTextStyle>
+  <p:extLst>
+    <p:ext uri="{EFAFB233-063F-42B5-8137-9DF3F51BA10A}">
+      <p15:sldGuideLst xmlns:p15="http://schemas.microsoft.com/office/powerpoint/2012/main"/>
+    </p:ext>
+  </p:extLst>
 </p:presentation>
 </file>
 
@@ -8908,7 +8914,7 @@
           <a:p>
             <a:fld id="{17EFB372-82A5-459A-9D0D-6319366F4159}" type="datetimeFigureOut">
               <a:rPr lang="en-US" smtClean="0"/>
-              <a:t>7/3/2022</a:t>
+              <a:t>7/11/2022</a:t>
             </a:fld>
             <a:endParaRPr lang="en-US"/>
           </a:p>
@@ -9115,7 +9121,7 @@
           <a:p>
             <a:fld id="{17EFB372-82A5-459A-9D0D-6319366F4159}" type="datetimeFigureOut">
               <a:rPr lang="en-US" smtClean="0"/>
-              <a:t>7/3/2022</a:t>
+              <a:t>7/11/2022</a:t>
             </a:fld>
             <a:endParaRPr lang="en-US"/>
           </a:p>
@@ -9295,7 +9301,7 @@
           <a:p>
             <a:fld id="{17EFB372-82A5-459A-9D0D-6319366F4159}" type="datetimeFigureOut">
               <a:rPr lang="en-US" smtClean="0"/>
-              <a:t>7/3/2022</a:t>
+              <a:t>7/11/2022</a:t>
             </a:fld>
             <a:endParaRPr lang="en-US"/>
           </a:p>
@@ -9500,7 +9506,7 @@
           <a:p>
             <a:fld id="{17EFB372-82A5-459A-9D0D-6319366F4159}" type="datetimeFigureOut">
               <a:rPr lang="en-US" smtClean="0"/>
-              <a:t>7/3/2022</a:t>
+              <a:t>7/11/2022</a:t>
             </a:fld>
             <a:endParaRPr lang="en-US"/>
           </a:p>
@@ -18398,7 +18404,7 @@
           <a:p>
             <a:fld id="{17EFB372-82A5-459A-9D0D-6319366F4159}" type="datetimeFigureOut">
               <a:rPr lang="en-US" smtClean="0"/>
-              <a:t>7/3/2022</a:t>
+              <a:t>7/11/2022</a:t>
             </a:fld>
             <a:endParaRPr lang="en-US"/>
           </a:p>
@@ -18672,7 +18678,7 @@
           <a:p>
             <a:fld id="{17EFB372-82A5-459A-9D0D-6319366F4159}" type="datetimeFigureOut">
               <a:rPr lang="en-US" smtClean="0"/>
-              <a:t>7/3/2022</a:t>
+              <a:t>7/11/2022</a:t>
             </a:fld>
             <a:endParaRPr lang="en-US"/>
           </a:p>
@@ -19070,7 +19076,7 @@
           <a:p>
             <a:fld id="{17EFB372-82A5-459A-9D0D-6319366F4159}" type="datetimeFigureOut">
               <a:rPr lang="en-US" smtClean="0"/>
-              <a:t>7/3/2022</a:t>
+              <a:t>7/11/2022</a:t>
             </a:fld>
             <a:endParaRPr lang="en-US"/>
           </a:p>
@@ -19188,7 +19194,7 @@
           <a:p>
             <a:fld id="{17EFB372-82A5-459A-9D0D-6319366F4159}" type="datetimeFigureOut">
               <a:rPr lang="en-US" smtClean="0"/>
-              <a:t>7/3/2022</a:t>
+              <a:t>7/11/2022</a:t>
             </a:fld>
             <a:endParaRPr lang="en-US"/>
           </a:p>
@@ -19283,7 +19289,7 @@
           <a:p>
             <a:fld id="{17EFB372-82A5-459A-9D0D-6319366F4159}" type="datetimeFigureOut">
               <a:rPr lang="en-US" smtClean="0"/>
-              <a:t>7/3/2022</a:t>
+              <a:t>7/11/2022</a:t>
             </a:fld>
             <a:endParaRPr lang="en-US"/>
           </a:p>
@@ -19573,7 +19579,7 @@
           <a:p>
             <a:fld id="{17EFB372-82A5-459A-9D0D-6319366F4159}" type="datetimeFigureOut">
               <a:rPr lang="en-US" smtClean="0"/>
-              <a:t>7/3/2022</a:t>
+              <a:t>7/11/2022</a:t>
             </a:fld>
             <a:endParaRPr lang="en-US"/>
           </a:p>
@@ -19853,7 +19859,7 @@
           <a:p>
             <a:fld id="{17EFB372-82A5-459A-9D0D-6319366F4159}" type="datetimeFigureOut">
               <a:rPr lang="en-US" smtClean="0"/>
-              <a:t>7/3/2022</a:t>
+              <a:t>7/11/2022</a:t>
             </a:fld>
             <a:endParaRPr lang="en-US"/>
           </a:p>
@@ -20103,7 +20109,7 @@
           <a:p>
             <a:fld id="{17EFB372-82A5-459A-9D0D-6319366F4159}" type="datetimeFigureOut">
               <a:rPr lang="en-US" smtClean="0"/>
-              <a:t>7/3/2022</a:t>
+              <a:t>7/11/2022</a:t>
             </a:fld>
             <a:endParaRPr lang="en-US"/>
           </a:p>
@@ -20666,6 +20672,124 @@
 </p:sld>
 </file>
 
+<file path=ppt/slides/slide10.xml><?xml version="1.0" encoding="utf-8"?>
+<p:sld xmlns:a="http://schemas.openxmlformats.org/drawingml/2006/main" xmlns:r="http://schemas.openxmlformats.org/officeDocument/2006/relationships" xmlns:p="http://schemas.openxmlformats.org/presentationml/2006/main">
+  <p:cSld>
+    <p:spTree>
+      <p:nvGrpSpPr>
+        <p:cNvPr id="1" name=""/>
+        <p:cNvGrpSpPr/>
+        <p:nvPr/>
+      </p:nvGrpSpPr>
+      <p:grpSpPr>
+        <a:xfrm>
+          <a:off x="0" y="0"/>
+          <a:ext cx="0" cy="0"/>
+          <a:chOff x="0" y="0"/>
+          <a:chExt cx="0" cy="0"/>
+        </a:xfrm>
+      </p:grpSpPr>
+      <p:sp>
+        <p:nvSpPr>
+          <p:cNvPr id="2" name="Title 1"/>
+          <p:cNvSpPr>
+            <a:spLocks noGrp="1"/>
+          </p:cNvSpPr>
+          <p:nvPr>
+            <p:ph type="title"/>
+          </p:nvPr>
+        </p:nvSpPr>
+        <p:spPr/>
+        <p:txBody>
+          <a:bodyPr/>
+          <a:lstStyle/>
+          <a:p>
+            <a:r>
+              <a:rPr lang="en-US" dirty="0" smtClean="0"/>
+              <a:t>Question and Answer</a:t>
+            </a:r>
+            <a:endParaRPr lang="en-US" dirty="0"/>
+          </a:p>
+        </p:txBody>
+      </p:sp>
+      <p:sp>
+        <p:nvSpPr>
+          <p:cNvPr id="3" name="Content Placeholder 2"/>
+          <p:cNvSpPr>
+            <a:spLocks noGrp="1"/>
+          </p:cNvSpPr>
+          <p:nvPr>
+            <p:ph idx="1"/>
+          </p:nvPr>
+        </p:nvSpPr>
+        <p:spPr/>
+        <p:txBody>
+          <a:bodyPr>
+            <a:normAutofit/>
+          </a:bodyPr>
+          <a:lstStyle/>
+          <a:p>
+            <a:pPr marL="0" indent="0">
+              <a:buNone/>
+            </a:pPr>
+            <a:r>
+              <a:rPr lang="en-US" sz="3200" dirty="0" smtClean="0"/>
+              <a:t>- We would be welcome to answer any questions or concerns on our presentation.</a:t>
+            </a:r>
+            <a:endParaRPr lang="en-US" sz="3200" dirty="0"/>
+          </a:p>
+          <a:p>
+            <a:pPr marL="0" indent="0">
+              <a:buNone/>
+            </a:pPr>
+            <a:endParaRPr lang="en-US" sz="3200" dirty="0"/>
+          </a:p>
+        </p:txBody>
+      </p:sp>
+      <p:pic>
+        <p:nvPicPr>
+          <p:cNvPr id="4" name="Picture 3"/>
+          <p:cNvPicPr>
+            <a:picLocks noChangeAspect="1"/>
+          </p:cNvPicPr>
+          <p:nvPr/>
+        </p:nvPicPr>
+        <p:blipFill>
+          <a:blip r:embed="rId2"/>
+          <a:stretch>
+            <a:fillRect/>
+          </a:stretch>
+        </p:blipFill>
+        <p:spPr>
+          <a:xfrm>
+            <a:off x="3219143" y="3232815"/>
+            <a:ext cx="4514850" cy="3381375"/>
+          </a:xfrm>
+          <a:prstGeom prst="rect">
+            <a:avLst/>
+          </a:prstGeom>
+        </p:spPr>
+      </p:pic>
+    </p:spTree>
+    <p:extLst>
+      <p:ext uri="{BB962C8B-B14F-4D97-AF65-F5344CB8AC3E}">
+        <p14:creationId xmlns:p14="http://schemas.microsoft.com/office/powerpoint/2010/main" val="3753226834"/>
+      </p:ext>
+    </p:extLst>
+  </p:cSld>
+  <p:clrMapOvr>
+    <a:masterClrMapping/>
+  </p:clrMapOvr>
+  <p:timing>
+    <p:tnLst>
+      <p:par>
+        <p:cTn id="1" dur="indefinite" restart="never" nodeType="tmRoot"/>
+      </p:par>
+    </p:tnLst>
+  </p:timing>
+</p:sld>
+</file>
+
 <file path=ppt/slides/slide2.xml><?xml version="1.0" encoding="utf-8"?>
 <p:sld xmlns:a="http://schemas.openxmlformats.org/drawingml/2006/main" xmlns:r="http://schemas.openxmlformats.org/officeDocument/2006/relationships" xmlns:p="http://schemas.openxmlformats.org/presentationml/2006/main">
   <p:cSld>
@@ -20837,7 +20961,12 @@
             <p:ph type="title"/>
           </p:nvPr>
         </p:nvSpPr>
-        <p:spPr/>
+        <p:spPr>
+          <a:xfrm>
+            <a:off x="1024128" y="353960"/>
+            <a:ext cx="9720072" cy="953729"/>
+          </a:xfrm>
+        </p:spPr>
         <p:txBody>
           <a:bodyPr/>
           <a:lstStyle/>
@@ -20862,12 +20991,14 @@
         </p:nvSpPr>
         <p:spPr>
           <a:xfrm>
-            <a:off x="0" y="2358188"/>
-            <a:ext cx="12191999" cy="4090737"/>
+            <a:off x="1" y="2358188"/>
+            <a:ext cx="6578856" cy="4435902"/>
           </a:xfrm>
         </p:spPr>
         <p:txBody>
-          <a:bodyPr/>
+          <a:bodyPr>
+            <a:normAutofit/>
+          </a:bodyPr>
           <a:lstStyle/>
           <a:p>
             <a:pPr>
@@ -20880,17 +21011,6 @@
             </a:r>
           </a:p>
           <a:p>
-            <a:pPr lvl="0"/>
-            <a:r>
-              <a:rPr lang="en-US" sz="3200" dirty="0">
-                <a:solidFill>
-                  <a:prstClr val="black"/>
-                </a:solidFill>
-              </a:rPr>
-              <a:t>Using the data we created a linear regression model to come up with a conclusive analysis.</a:t>
-            </a:r>
-          </a:p>
-          <a:p>
             <a:pPr marL="0" indent="0">
               <a:buNone/>
             </a:pPr>
@@ -20898,6 +21018,30 @@
           </a:p>
         </p:txBody>
       </p:sp>
+      <p:pic>
+        <p:nvPicPr>
+          <p:cNvPr id="4" name="Picture 3"/>
+          <p:cNvPicPr>
+            <a:picLocks noChangeAspect="1"/>
+          </p:cNvPicPr>
+          <p:nvPr/>
+        </p:nvPicPr>
+        <p:blipFill>
+          <a:blip r:embed="rId2"/>
+          <a:stretch>
+            <a:fillRect/>
+          </a:stretch>
+        </p:blipFill>
+        <p:spPr>
+          <a:xfrm>
+            <a:off x="6578857" y="1720732"/>
+            <a:ext cx="5613144" cy="5073358"/>
+          </a:xfrm>
+          <a:prstGeom prst="rect">
+            <a:avLst/>
+          </a:prstGeom>
+        </p:spPr>
+      </p:pic>
     </p:spTree>
     <p:extLst>
       <p:ext uri="{BB962C8B-B14F-4D97-AF65-F5344CB8AC3E}">
@@ -20938,7 +21082,12 @@
             <p:ph type="title"/>
           </p:nvPr>
         </p:nvSpPr>
-        <p:spPr/>
+        <p:spPr>
+          <a:xfrm>
+            <a:off x="1024128" y="0"/>
+            <a:ext cx="9720072" cy="1406013"/>
+          </a:xfrm>
+        </p:spPr>
         <p:txBody>
           <a:bodyPr/>
           <a:lstStyle/>
@@ -20961,52 +21110,78 @@
             <p:ph idx="1"/>
           </p:nvPr>
         </p:nvSpPr>
-        <p:spPr/>
+        <p:spPr>
+          <a:xfrm>
+            <a:off x="68826" y="1877960"/>
+            <a:ext cx="5978014" cy="4788311"/>
+          </a:xfrm>
+        </p:spPr>
         <p:txBody>
-          <a:bodyPr/>
+          <a:bodyPr>
+            <a:normAutofit/>
+          </a:bodyPr>
           <a:lstStyle/>
           <a:p>
+            <a:pPr marL="0" indent="0">
+              <a:buNone/>
+            </a:pPr>
             <a:r>
-              <a:rPr lang="en-US" sz="3200" dirty="0" smtClean="0"/>
-              <a:t>We checked for </a:t>
+              <a:rPr lang="en-US" sz="2800" dirty="0" smtClean="0"/>
+              <a:t>- We </a:t>
             </a:r>
             <a:r>
-              <a:rPr lang="en-US" sz="3200" dirty="0" err="1" smtClean="0"/>
-              <a:t>multicollinearity</a:t>
+              <a:rPr lang="en-US" sz="2800" dirty="0"/>
+              <a:t>have obtained house data from King County to help us build the model. This includes useful information like the price of the property, the living area in square feet and the year the </a:t>
             </a:r>
             <a:r>
-              <a:rPr lang="en-US" sz="3200" dirty="0" smtClean="0"/>
-              <a:t> and removed all the data that had correlated predictors. We removed the bathroom and </a:t>
+              <a:rPr lang="en-US" sz="2800" dirty="0" smtClean="0"/>
+              <a:t>property was </a:t>
             </a:r>
             <a:r>
-              <a:rPr lang="en-US" sz="3200" dirty="0" err="1" smtClean="0"/>
-              <a:t>sqrft_basement</a:t>
-            </a:r>
-            <a:r>
-              <a:rPr lang="en-US" sz="3200" dirty="0" smtClean="0"/>
-              <a:t> because they had a high correlation to one another.</a:t>
-            </a:r>
-          </a:p>
-          <a:p>
-            <a:r>
-              <a:rPr lang="en-US" sz="3200" dirty="0" smtClean="0"/>
-              <a:t>We normalized continuous data for our linear model.</a:t>
-            </a:r>
-          </a:p>
-          <a:p>
-            <a:r>
-              <a:rPr lang="en-US" sz="3200" dirty="0" smtClean="0"/>
-              <a:t>The data we had was positively skewed which means we  had to perform a log transformation in order to ensure it had a normal distribution.</a:t>
+              <a:rPr lang="en-US" sz="2800" dirty="0"/>
+              <a:t>renovated to name a few.</a:t>
             </a:r>
           </a:p>
           <a:p>
             <a:pPr marL="0" indent="0">
               <a:buNone/>
             </a:pPr>
-            <a:endParaRPr lang="en-US" dirty="0" smtClean="0"/>
+            <a:r>
+              <a:rPr lang="en-US" sz="2800" dirty="0" smtClean="0"/>
+              <a:t>- There </a:t>
+            </a:r>
+            <a:r>
+              <a:rPr lang="en-US" sz="2800" dirty="0"/>
+              <a:t>are some data which is not really relevant to our model which we can remove.</a:t>
+            </a:r>
+            <a:endParaRPr lang="en-US" sz="2800" dirty="0" smtClean="0"/>
           </a:p>
         </p:txBody>
       </p:sp>
+      <p:pic>
+        <p:nvPicPr>
+          <p:cNvPr id="4" name="Picture 3"/>
+          <p:cNvPicPr>
+            <a:picLocks noChangeAspect="1"/>
+          </p:cNvPicPr>
+          <p:nvPr/>
+        </p:nvPicPr>
+        <p:blipFill>
+          <a:blip r:embed="rId2"/>
+          <a:stretch>
+            <a:fillRect/>
+          </a:stretch>
+        </p:blipFill>
+        <p:spPr>
+          <a:xfrm>
+            <a:off x="6443030" y="1696065"/>
+            <a:ext cx="5680144" cy="4709652"/>
+          </a:xfrm>
+          <a:prstGeom prst="rect">
+            <a:avLst/>
+          </a:prstGeom>
+        </p:spPr>
+      </p:pic>
     </p:spTree>
     <p:extLst>
       <p:ext uri="{BB962C8B-B14F-4D97-AF65-F5344CB8AC3E}">
@@ -21047,7 +21222,12 @@
             <p:ph type="title"/>
           </p:nvPr>
         </p:nvSpPr>
-        <p:spPr/>
+        <p:spPr>
+          <a:xfrm>
+            <a:off x="1024128" y="0"/>
+            <a:ext cx="9720072" cy="1347019"/>
+          </a:xfrm>
+        </p:spPr>
         <p:txBody>
           <a:bodyPr/>
           <a:lstStyle/>
@@ -21072,8 +21252,8 @@
         </p:nvSpPr>
         <p:spPr>
           <a:xfrm>
-            <a:off x="1024128" y="1588168"/>
-            <a:ext cx="9720073" cy="4721192"/>
+            <a:off x="580104" y="1347019"/>
+            <a:ext cx="6499122" cy="5437239"/>
           </a:xfrm>
         </p:spPr>
         <p:txBody>
@@ -21087,40 +21267,77 @@
           <a:p>
             <a:r>
               <a:rPr lang="en-US" sz="2800" dirty="0"/>
-              <a:t>We will start by removing the rows with the null values in </a:t>
+              <a:t>We will start by removing the rows with the null values </a:t>
             </a:r>
             <a:r>
-              <a:rPr lang="en-US" sz="2800" dirty="0" err="1"/>
-              <a:t>yr_renovated</a:t>
+              <a:rPr lang="en-US" sz="2800" dirty="0" smtClean="0"/>
+              <a:t>because </a:t>
             </a:r>
             <a:r>
               <a:rPr lang="en-US" sz="2800" dirty="0"/>
-              <a:t> because we do not know whether they have been renovated or not. We will also remove the basement values which are not numbers. </a:t>
+              <a:t>we do not know whether they have been renovated or not. We will also remove the basement values which are not numbers. </a:t>
             </a:r>
             <a:endParaRPr lang="en-US" sz="2800" dirty="0" smtClean="0"/>
           </a:p>
           <a:p>
             <a:r>
               <a:rPr lang="en-US" sz="2800" dirty="0" smtClean="0"/>
-              <a:t>This </a:t>
+              <a:t>We </a:t>
             </a:r>
             <a:r>
               <a:rPr lang="en-US" sz="2800" dirty="0"/>
-              <a:t>will allow us to have plenty of data to use after removing them. Finally we will remove the outliers in the bedroom as well</a:t>
+              <a:t>will drop the house with 33 bedrooms because it is the only outlier we will do this when cleaning the data</a:t>
             </a:r>
             <a:r>
               <a:rPr lang="en-US" sz="2800" dirty="0" smtClean="0"/>
               <a:t>.</a:t>
             </a:r>
+            <a:endParaRPr lang="en-US" sz="2800" dirty="0"/>
           </a:p>
           <a:p>
+            <a:pPr lvl="0">
+              <a:buClr>
+                <a:srgbClr val="1CADE4"/>
+              </a:buClr>
+            </a:pPr>
             <a:r>
-              <a:rPr lang="en-US" sz="2800" dirty="0"/>
-              <a:t>We will drop the house with 33 bedrooms because it is the only outlier we will do this when cleaning the data.</a:t>
+              <a:rPr lang="en-US" sz="2800" dirty="0">
+                <a:solidFill>
+                  <a:prstClr val="black"/>
+                </a:solidFill>
+              </a:rPr>
+              <a:t>This will allow us to have plenty of data to use after removing them. Finally we will remove the outliers in the bedroom as well.</a:t>
             </a:r>
+          </a:p>
+          <a:p>
+            <a:endParaRPr lang="en-US" sz="2800" dirty="0"/>
           </a:p>
         </p:txBody>
       </p:sp>
+      <p:pic>
+        <p:nvPicPr>
+          <p:cNvPr id="4" name="Picture 3"/>
+          <p:cNvPicPr>
+            <a:picLocks noChangeAspect="1"/>
+          </p:cNvPicPr>
+          <p:nvPr/>
+        </p:nvPicPr>
+        <p:blipFill>
+          <a:blip r:embed="rId2"/>
+          <a:stretch>
+            <a:fillRect/>
+          </a:stretch>
+        </p:blipFill>
+        <p:spPr>
+          <a:xfrm>
+            <a:off x="7162358" y="1817563"/>
+            <a:ext cx="4867736" cy="4864992"/>
+          </a:xfrm>
+          <a:prstGeom prst="rect">
+            <a:avLst/>
+          </a:prstGeom>
+        </p:spPr>
+      </p:pic>
     </p:spTree>
     <p:extLst>
       <p:ext uri="{BB962C8B-B14F-4D97-AF65-F5344CB8AC3E}">
@@ -21164,11 +21381,13 @@
         <p:spPr>
           <a:xfrm>
             <a:off x="838200" y="1"/>
-            <a:ext cx="10515600" cy="1046746"/>
+            <a:ext cx="10515600" cy="629264"/>
           </a:xfrm>
         </p:spPr>
         <p:txBody>
-          <a:bodyPr/>
+          <a:bodyPr>
+            <a:normAutofit fontScale="90000"/>
+          </a:bodyPr>
           <a:lstStyle/>
           <a:p>
             <a:r>
@@ -21191,8 +21410,8 @@
         </p:nvSpPr>
         <p:spPr>
           <a:xfrm>
-            <a:off x="838200" y="890337"/>
-            <a:ext cx="10515600" cy="3224464"/>
+            <a:off x="838200" y="629265"/>
+            <a:ext cx="10515600" cy="2654709"/>
           </a:xfrm>
         </p:spPr>
         <p:txBody>
@@ -21203,42 +21422,23 @@
           <a:p>
             <a:r>
               <a:rPr lang="en-US" sz="2800" dirty="0" smtClean="0"/>
-              <a:t>- R-Squared value of 0.62 </a:t>
+              <a:t>From our analysis we can seen  that the sample </a:t>
             </a:r>
             <a:r>
-              <a:rPr lang="en-US" sz="2800" b="0" dirty="0" smtClean="0">
-                <a:effectLst/>
-                <a:latin typeface="-apple-system"/>
-              </a:rPr>
-              <a:t>which is </a:t>
+              <a:rPr lang="en-US" sz="2800" dirty="0" err="1" smtClean="0"/>
+              <a:t>quantites</a:t>
             </a:r>
             <a:r>
-              <a:rPr lang="en-US" sz="2800" b="0" dirty="0" err="1" smtClean="0">
-                <a:effectLst/>
-                <a:latin typeface="-apple-system"/>
-              </a:rPr>
-              <a:t>resonable</a:t>
+              <a:rPr lang="en-US" sz="2800" dirty="0" smtClean="0"/>
+              <a:t> and theoretical quantities are not related. We need to build another model to get a better analysis on the price of the houses at King county.</a:t>
             </a:r>
-            <a:r>
-              <a:rPr lang="en-US" sz="2800" b="0" dirty="0" smtClean="0">
-                <a:effectLst/>
-                <a:latin typeface="-apple-system"/>
-              </a:rPr>
-              <a:t>, which allows us to explain 62.1% of variations of our model.</a:t>
-            </a:r>
-            <a:endParaRPr lang="en-US" sz="2800" dirty="0" smtClean="0"/>
+            <a:endParaRPr lang="en-US" sz="2800" dirty="0"/>
           </a:p>
           <a:p>
             <a:r>
               <a:rPr lang="en-US" sz="2800" dirty="0" smtClean="0"/>
-              <a:t>- Skewness &amp; Kurtosis values high</a:t>
+              <a:t>- </a:t>
             </a:r>
-          </a:p>
-          <a:p>
-            <a:pPr>
-              <a:buFontTx/>
-              <a:buChar char="-"/>
-            </a:pPr>
             <a:r>
               <a:rPr lang="en-US" sz="2800" dirty="0" err="1" smtClean="0"/>
               <a:t>std_above</a:t>
@@ -21249,27 +21449,29 @@
             </a:r>
             <a:r>
               <a:rPr lang="en-US" sz="2800" dirty="0"/>
-              <a:t>had p-values which were greater than 0.05 which we will remove in our next model</a:t>
+              <a:t>had </a:t>
+            </a:r>
+            <a:r>
+              <a:rPr lang="en-US" sz="2800" dirty="0" smtClean="0"/>
+              <a:t>p-values had a high </a:t>
+            </a:r>
+            <a:r>
+              <a:rPr lang="en-US" sz="2800" dirty="0" smtClean="0"/>
+              <a:t>value </a:t>
+            </a:r>
+            <a:r>
+              <a:rPr lang="en-US" sz="2800" dirty="0" smtClean="0"/>
+              <a:t>which </a:t>
+            </a:r>
+            <a:r>
+              <a:rPr lang="en-US" sz="2800" dirty="0"/>
+              <a:t>we will remove in our next model</a:t>
             </a:r>
             <a:r>
               <a:rPr lang="en-US" sz="2800" dirty="0" smtClean="0"/>
               <a:t>.</a:t>
             </a:r>
-          </a:p>
-          <a:p>
-            <a:pPr>
-              <a:buFontTx/>
-              <a:buChar char="-"/>
-            </a:pPr>
-            <a:r>
-              <a:rPr lang="en-US" sz="2800" dirty="0"/>
-              <a:t>We will run a log transformation on the prices as </a:t>
-            </a:r>
-            <a:r>
-              <a:rPr lang="en-US" sz="2800" dirty="0" smtClean="0"/>
-              <a:t>well on the next model.</a:t>
-            </a:r>
-            <a:endParaRPr lang="en-US" sz="2800" dirty="0"/>
+            <a:endParaRPr lang="en-US" sz="2800" dirty="0" smtClean="0"/>
           </a:p>
         </p:txBody>
       </p:sp>
@@ -21289,8 +21491,8 @@
         </p:blipFill>
         <p:spPr>
           <a:xfrm>
-            <a:off x="2923673" y="3705727"/>
-            <a:ext cx="5678906" cy="3970420"/>
+            <a:off x="2874512" y="3038168"/>
+            <a:ext cx="5678906" cy="4077541"/>
           </a:xfrm>
           <a:prstGeom prst="rect">
             <a:avLst/>
@@ -21367,41 +21569,51 @@
         </p:nvSpPr>
         <p:spPr>
           <a:xfrm>
-            <a:off x="838200" y="974558"/>
-            <a:ext cx="10515600" cy="5202405"/>
+            <a:off x="838200" y="747252"/>
+            <a:ext cx="10515600" cy="5429711"/>
           </a:xfrm>
         </p:spPr>
         <p:txBody>
           <a:bodyPr/>
           <a:lstStyle/>
           <a:p>
+            <a:pPr marL="0" indent="0">
+              <a:buNone/>
+            </a:pPr>
             <a:r>
               <a:rPr lang="en-US" sz="2400" dirty="0" smtClean="0"/>
-              <a:t>- Log transformation on price improved in the distribution </a:t>
+              <a:t>- Our model has improved which shows </a:t>
             </a:r>
-          </a:p>
-          <a:p>
             <a:r>
               <a:rPr lang="en-US" sz="2400" dirty="0" smtClean="0"/>
-              <a:t>- We also checked </a:t>
-            </a:r>
-            <a:r>
-              <a:rPr lang="en-US" sz="2400" dirty="0"/>
-              <a:t>for Homoscedasticity, this will help us know that the error is constant along the values of our dependent variable.</a:t>
+              <a:t>us that the sample quantities and Theoretical quantities are related, This will give us a clear picture on the house pricing in the area and factors that will affect the pricing the area.</a:t>
             </a:r>
             <a:endParaRPr lang="en-US" sz="2400" dirty="0" smtClean="0"/>
           </a:p>
           <a:p>
+            <a:pPr marL="0" indent="0">
+              <a:buNone/>
+            </a:pPr>
             <a:r>
               <a:rPr lang="en-US" sz="2400" dirty="0" smtClean="0"/>
-              <a:t>- R-Squared value increased. 63.8% of the variance is explained by the model.</a:t>
+              <a:t>- </a:t>
             </a:r>
+            <a:r>
+              <a:rPr lang="en-US" sz="2400" dirty="0" smtClean="0"/>
+              <a:t>We also checked </a:t>
+            </a:r>
+            <a:r>
+              <a:rPr lang="en-US" sz="2400" dirty="0"/>
+              <a:t>for Homoscedasticity, this will help us know that the error is constant along the values of our dependent variable</a:t>
+            </a:r>
+            <a:r>
+              <a:rPr lang="en-US" sz="2400" dirty="0" smtClean="0"/>
+              <a:t>. This will give us a better understanding of our data.</a:t>
+            </a:r>
+            <a:endParaRPr lang="en-US" sz="2400" dirty="0" smtClean="0"/>
           </a:p>
           <a:p>
-            <a:r>
-              <a:rPr lang="en-US" sz="2400" dirty="0" smtClean="0"/>
-              <a:t>model.</a:t>
-            </a:r>
+            <a:endParaRPr lang="en-US" sz="2400" dirty="0" smtClean="0"/>
           </a:p>
           <a:p>
             <a:endParaRPr lang="en-US" dirty="0"/>
@@ -21451,7 +21663,7 @@
         </p:blipFill>
         <p:spPr>
           <a:xfrm>
-            <a:off x="5233739" y="2779295"/>
+            <a:off x="5125453" y="2983833"/>
             <a:ext cx="6753726" cy="3874168"/>
           </a:xfrm>
           <a:prstGeom prst="rect">
@@ -21548,8 +21760,13 @@
           <a:p>
             <a:r>
               <a:rPr lang="en-US" sz="2800" dirty="0" smtClean="0"/>
-              <a:t>- There is a good correlation </a:t>
+              <a:t>- There is a good </a:t>
             </a:r>
+            <a:r>
+              <a:rPr lang="en-US" sz="2800" dirty="0" smtClean="0"/>
+              <a:t>relationship</a:t>
+            </a:r>
+            <a:endParaRPr lang="en-US" sz="2800" dirty="0" smtClean="0"/>
           </a:p>
           <a:p>
             <a:pPr marL="0" indent="0">
@@ -21640,6 +21857,13 @@
   <p:clrMapOvr>
     <a:masterClrMapping/>
   </p:clrMapOvr>
+  <p:timing>
+    <p:tnLst>
+      <p:par>
+        <p:cTn id="1" dur="indefinite" restart="never" nodeType="tmRoot"/>
+      </p:par>
+    </p:tnLst>
+  </p:timing>
 </p:sld>
 </file>
 
@@ -21670,7 +21894,12 @@
             <p:ph type="title"/>
           </p:nvPr>
         </p:nvSpPr>
-        <p:spPr/>
+        <p:spPr>
+          <a:xfrm>
+            <a:off x="1081548" y="0"/>
+            <a:ext cx="9662652" cy="2300748"/>
+          </a:xfrm>
+        </p:spPr>
         <p:txBody>
           <a:bodyPr/>
           <a:lstStyle/>
@@ -21695,25 +21924,23 @@
         </p:nvSpPr>
         <p:spPr>
           <a:xfrm>
-            <a:off x="0" y="2084832"/>
-            <a:ext cx="10515600" cy="4773168"/>
+            <a:off x="88490" y="1848465"/>
+            <a:ext cx="7039897" cy="5383162"/>
           </a:xfrm>
         </p:spPr>
         <p:txBody>
           <a:bodyPr>
-            <a:normAutofit lnSpcReduction="10000"/>
+            <a:normAutofit/>
           </a:bodyPr>
           <a:lstStyle/>
           <a:p>
             <a:r>
               <a:rPr lang="en-US" sz="3200" dirty="0" smtClean="0"/>
-              <a:t>-With our final model our regression results indicate that the R^2 value is at 0.616 meaning it is 61.16% of the variance that is explained by our model. </a:t>
+              <a:t>- </a:t>
             </a:r>
-          </a:p>
-          <a:p>
             <a:r>
               <a:rPr lang="en-US" sz="3200" dirty="0" smtClean="0"/>
-              <a:t>- The Living area has strongest relationship with prices because people spend time inside the house and having a large living area generally means that more rooms, making it more appealing to potential buyers.</a:t>
+              <a:t>The Living area has strongest relationship with prices because people spend time inside the house and having a large living area generally means that more rooms, making it more appealing to potential buyers.</a:t>
             </a:r>
           </a:p>
           <a:p>
@@ -21737,6 +21964,30 @@
           </a:p>
         </p:txBody>
       </p:sp>
+      <p:pic>
+        <p:nvPicPr>
+          <p:cNvPr id="4" name="Picture 3"/>
+          <p:cNvPicPr>
+            <a:picLocks noChangeAspect="1"/>
+          </p:cNvPicPr>
+          <p:nvPr/>
+        </p:nvPicPr>
+        <p:blipFill>
+          <a:blip r:embed="rId2"/>
+          <a:stretch>
+            <a:fillRect/>
+          </a:stretch>
+        </p:blipFill>
+        <p:spPr>
+          <a:xfrm>
+            <a:off x="7696201" y="2172928"/>
+            <a:ext cx="4463844" cy="3778045"/>
+          </a:xfrm>
+          <a:prstGeom prst="rect">
+            <a:avLst/>
+          </a:prstGeom>
+        </p:spPr>
+      </p:pic>
     </p:spTree>
     <p:extLst>
       <p:ext uri="{BB962C8B-B14F-4D97-AF65-F5344CB8AC3E}">
@@ -21747,6 +21998,13 @@
   <p:clrMapOvr>
     <a:masterClrMapping/>
   </p:clrMapOvr>
+  <p:timing>
+    <p:tnLst>
+      <p:par>
+        <p:cTn id="1" dur="indefinite" restart="never" nodeType="tmRoot"/>
+      </p:par>
+    </p:tnLst>
+  </p:timing>
 </p:sld>
 </file>
 
